--- a/P8_presentation.pptx
+++ b/P8_presentation.pptx
@@ -385,7 +385,7 @@
           <a:p>
             <a:fld id="{6EE7A52F-9D89-7442-A8E9-48D1527B5F6B}" type="datetimeFigureOut">
               <a:rPr lang="en-US" smtClean="0"/>
-              <a:t>3/1/2023</a:t>
+              <a:t>3/3/2023</a:t>
             </a:fld>
             <a:endParaRPr lang="en-US" dirty="0"/>
           </a:p>
@@ -2047,7 +2047,7 @@
             <a:fld id="{6FCA8E82-58CD-E045-8B98-B7A85B79B752}" type="datetime4">
               <a:rPr lang="en-US" smtClean="0"/>
               <a:pPr/>
-              <a:t>March 1, 2023</a:t>
+              <a:t>March 3, 2023</a:t>
             </a:fld>
             <a:endParaRPr lang="en-US" dirty="0">
               <a:latin typeface="+mn-lt"/>
@@ -3177,7 +3177,7 @@
             <a:fld id="{6FCA8E82-58CD-E045-8B98-B7A85B79B752}" type="datetime4">
               <a:rPr lang="en-US" smtClean="0"/>
               <a:pPr/>
-              <a:t>March 1, 2023</a:t>
+              <a:t>March 3, 2023</a:t>
             </a:fld>
             <a:endParaRPr lang="en-US" dirty="0">
               <a:latin typeface="+mn-lt"/>
@@ -4306,7 +4306,7 @@
             <a:fld id="{6FCA8E82-58CD-E045-8B98-B7A85B79B752}" type="datetime4">
               <a:rPr lang="en-US" smtClean="0"/>
               <a:pPr/>
-              <a:t>March 1, 2023</a:t>
+              <a:t>March 3, 2023</a:t>
             </a:fld>
             <a:endParaRPr lang="en-US" dirty="0">
               <a:latin typeface="+mn-lt"/>
@@ -6604,7 +6604,7 @@
             <a:fld id="{6FCA8E82-58CD-E045-8B98-B7A85B79B752}" type="datetime4">
               <a:rPr lang="en-US" smtClean="0"/>
               <a:pPr/>
-              <a:t>March 1, 2023</a:t>
+              <a:t>March 3, 2023</a:t>
             </a:fld>
             <a:endParaRPr lang="en-US" dirty="0">
               <a:latin typeface="+mn-lt"/>
@@ -7239,7 +7239,7 @@
             <a:fld id="{6FCA8E82-58CD-E045-8B98-B7A85B79B752}" type="datetime4">
               <a:rPr lang="en-US" smtClean="0"/>
               <a:pPr/>
-              <a:t>March 1, 2023</a:t>
+              <a:t>March 3, 2023</a:t>
             </a:fld>
             <a:endParaRPr lang="en-US" dirty="0">
               <a:latin typeface="+mn-lt"/>
@@ -8009,7 +8009,7 @@
             <a:fld id="{6FCA8E82-58CD-E045-8B98-B7A85B79B752}" type="datetime4">
               <a:rPr lang="en-US" smtClean="0"/>
               <a:pPr/>
-              <a:t>March 1, 2023</a:t>
+              <a:t>March 3, 2023</a:t>
             </a:fld>
             <a:endParaRPr lang="en-US" dirty="0">
               <a:latin typeface="+mn-lt"/>
@@ -8273,7 +8273,7 @@
             <a:fld id="{6FCA8E82-58CD-E045-8B98-B7A85B79B752}" type="datetime4">
               <a:rPr lang="en-US" smtClean="0"/>
               <a:pPr/>
-              <a:t>March 1, 2023</a:t>
+              <a:t>March 3, 2023</a:t>
             </a:fld>
             <a:endParaRPr lang="en-US" dirty="0">
               <a:latin typeface="+mn-lt"/>
@@ -11196,7 +11196,7 @@
             <a:fld id="{6FCA8E82-58CD-E045-8B98-B7A85B79B752}" type="datetime4">
               <a:rPr lang="en-US" smtClean="0"/>
               <a:pPr/>
-              <a:t>March 1, 2023</a:t>
+              <a:t>March 3, 2023</a:t>
             </a:fld>
             <a:endParaRPr lang="en-US" dirty="0">
               <a:latin typeface="+mn-lt"/>
@@ -12371,7 +12371,7 @@
             <a:fld id="{6FCA8E82-58CD-E045-8B98-B7A85B79B752}" type="datetime4">
               <a:rPr lang="en-US" smtClean="0"/>
               <a:pPr/>
-              <a:t>March 1, 2023</a:t>
+              <a:t>March 3, 2023</a:t>
             </a:fld>
             <a:endParaRPr lang="en-US" dirty="0">
               <a:latin typeface="+mn-lt"/>
@@ -12687,7 +12687,7 @@
             <a:fld id="{6FCA8E82-58CD-E045-8B98-B7A85B79B752}" type="datetime4">
               <a:rPr lang="en-US" smtClean="0"/>
               <a:pPr/>
-              <a:t>March 1, 2023</a:t>
+              <a:t>March 3, 2023</a:t>
             </a:fld>
             <a:endParaRPr lang="en-US" dirty="0">
               <a:latin typeface="+mn-lt"/>
@@ -13770,7 +13770,7 @@
         <p:spPr>
           <a:xfrm>
             <a:off x="165648" y="2438111"/>
-            <a:ext cx="5010034" cy="4247317"/>
+            <a:ext cx="5107688" cy="4247317"/>
           </a:xfrm>
           <a:prstGeom prst="rect">
             <a:avLst/>
@@ -13883,7 +13883,7 @@
                   <a:schemeClr val="bg1"/>
                 </a:solidFill>
               </a:rPr>
-              <a:t>Boostraping</a:t>
+              <a:t>Bootstraping</a:t>
             </a:r>
             <a:r>
               <a:rPr lang="fr-FR" dirty="0">
@@ -16207,7 +16207,7 @@
                   <a:schemeClr val="bg1"/>
                 </a:solidFill>
               </a:rPr>
-              <a:t>Terminer le cluster</a:t>
+              <a:t>Résilier le cluster</a:t>
             </a:r>
           </a:p>
           <a:p>
@@ -17680,23 +17680,7 @@
                   <a:schemeClr val="bg1"/>
                 </a:solidFill>
               </a:rPr>
-              <a:t> grâce à la persistance (</a:t>
-            </a:r>
-            <a:r>
-              <a:rPr lang="fr-FR" dirty="0" err="1">
-                <a:solidFill>
-                  <a:schemeClr val="bg1"/>
-                </a:solidFill>
-              </a:rPr>
-              <a:t>congif</a:t>
-            </a:r>
-            <a:r>
-              <a:rPr lang="fr-FR" dirty="0">
-                <a:solidFill>
-                  <a:schemeClr val="bg1"/>
-                </a:solidFill>
-              </a:rPr>
-              <a:t> </a:t>
+              <a:t> grâce à la persistance (config </a:t>
             </a:r>
             <a:r>
               <a:rPr lang="fr-FR" dirty="0" err="1">
@@ -25936,7 +25920,7 @@
                   <a:schemeClr val="bg1"/>
                 </a:solidFill>
               </a:rPr>
-              <a:t> distribués résilients =&gt; tolérance aux pannes e distribution des calculs</a:t>
+              <a:t> distribués résilients =&gt; tolérance aux pannes et distribution des calculs</a:t>
             </a:r>
           </a:p>
           <a:p>
@@ -27266,21 +27250,21 @@
 </file>
 
 <file path=customXml/item1.xml><?xml version="1.0" encoding="utf-8"?>
+<p:properties xmlns:p="http://schemas.microsoft.com/office/2006/metadata/properties" xmlns:xsi="http://www.w3.org/2001/XMLSchema-instance" xmlns:pc="http://schemas.microsoft.com/office/infopath/2007/PartnerControls">
+  <documentManagement>
+    <Status xmlns="71af3243-3dd4-4a8d-8c0d-dd76da1f02a5">Not started</Status>
+    <MediaServiceKeyPoints xmlns="71af3243-3dd4-4a8d-8c0d-dd76da1f02a5" xsi:nil="true"/>
+  </documentManagement>
+</p:properties>
+</file>
+
+<file path=customXml/item2.xml><?xml version="1.0" encoding="utf-8"?>
 <?mso-contentType ?>
 <FormTemplates xmlns="http://schemas.microsoft.com/sharepoint/v3/contenttype/forms">
   <Display>DocumentLibraryForm</Display>
   <Edit>DocumentLibraryForm</Edit>
   <New>DocumentLibraryForm</New>
 </FormTemplates>
-</file>
-
-<file path=customXml/item2.xml><?xml version="1.0" encoding="utf-8"?>
-<p:properties xmlns:p="http://schemas.microsoft.com/office/2006/metadata/properties" xmlns:xsi="http://www.w3.org/2001/XMLSchema-instance" xmlns:pc="http://schemas.microsoft.com/office/infopath/2007/PartnerControls">
-  <documentManagement>
-    <Status xmlns="71af3243-3dd4-4a8d-8c0d-dd76da1f02a5">Not started</Status>
-    <MediaServiceKeyPoints xmlns="71af3243-3dd4-4a8d-8c0d-dd76da1f02a5" xsi:nil="true"/>
-  </documentManagement>
-</p:properties>
 </file>
 
 <file path=customXml/item3.xml><?xml version="1.0" encoding="utf-8"?>
@@ -27505,19 +27489,19 @@
 </file>
 
 <file path=customXml/itemProps1.xml><?xml version="1.0" encoding="utf-8"?>
-<ds:datastoreItem xmlns:ds="http://schemas.openxmlformats.org/officeDocument/2006/customXml" ds:itemID="{1D20B6E4-879E-4E6C-BDE7-261540CD3765}">
+<ds:datastoreItem xmlns:ds="http://schemas.openxmlformats.org/officeDocument/2006/customXml" ds:itemID="{09EC1AB0-9704-404D-B6D3-819D938AC55B}">
   <ds:schemaRefs>
-    <ds:schemaRef ds:uri="http://schemas.microsoft.com/sharepoint/v3/contenttype/forms"/>
+    <ds:schemaRef ds:uri="http://schemas.microsoft.com/office/2006/metadata/properties"/>
+    <ds:schemaRef ds:uri="http://schemas.microsoft.com/office/infopath/2007/PartnerControls"/>
+    <ds:schemaRef ds:uri="71af3243-3dd4-4a8d-8c0d-dd76da1f02a5"/>
   </ds:schemaRefs>
 </ds:datastoreItem>
 </file>
 
 <file path=customXml/itemProps2.xml><?xml version="1.0" encoding="utf-8"?>
-<ds:datastoreItem xmlns:ds="http://schemas.openxmlformats.org/officeDocument/2006/customXml" ds:itemID="{09EC1AB0-9704-404D-B6D3-819D938AC55B}">
+<ds:datastoreItem xmlns:ds="http://schemas.openxmlformats.org/officeDocument/2006/customXml" ds:itemID="{1D20B6E4-879E-4E6C-BDE7-261540CD3765}">
   <ds:schemaRefs>
-    <ds:schemaRef ds:uri="http://schemas.microsoft.com/office/2006/metadata/properties"/>
-    <ds:schemaRef ds:uri="http://schemas.microsoft.com/office/infopath/2007/PartnerControls"/>
-    <ds:schemaRef ds:uri="71af3243-3dd4-4a8d-8c0d-dd76da1f02a5"/>
+    <ds:schemaRef ds:uri="http://schemas.microsoft.com/sharepoint/v3/contenttype/forms"/>
   </ds:schemaRefs>
 </ds:datastoreItem>
 </file>
